--- a/Labs/Tree Lab/Tree lab - S2020.pptx
+++ b/Labs/Tree Lab/Tree lab - S2020.pptx
@@ -10946,7 +10946,7 @@
           <a:p>
             <a:r>
               <a:rPr lang="en-US" sz="1200" dirty="0"/>
-              <a:t>null</a:t>
+              <a:t>14</a:t>
             </a:r>
           </a:p>
         </p:txBody>
@@ -10981,7 +10981,7 @@
           <a:p>
             <a:r>
               <a:rPr lang="en-US" sz="1200" dirty="0"/>
-              <a:t>7</a:t>
+              <a:t>73</a:t>
             </a:r>
           </a:p>
         </p:txBody>
@@ -11016,7 +11016,7 @@
           <a:p>
             <a:r>
               <a:rPr lang="en-US" sz="1200" dirty="0"/>
-              <a:t>51</a:t>
+              <a:t>21</a:t>
             </a:r>
           </a:p>
         </p:txBody>
@@ -11051,7 +11051,7 @@
           <a:p>
             <a:r>
               <a:rPr lang="en-US" sz="1200" dirty="0"/>
-              <a:t>73</a:t>
+              <a:t>7</a:t>
             </a:r>
           </a:p>
         </p:txBody>
@@ -11121,7 +11121,7 @@
           <a:p>
             <a:r>
               <a:rPr lang="en-US" sz="1200" dirty="0"/>
-              <a:t>14</a:t>
+              <a:t>19</a:t>
             </a:r>
           </a:p>
         </p:txBody>
@@ -11156,7 +11156,7 @@
           <a:p>
             <a:r>
               <a:rPr lang="en-US" sz="1200" dirty="0"/>
-              <a:t>19</a:t>
+              <a:t>6</a:t>
             </a:r>
           </a:p>
         </p:txBody>
@@ -11191,7 +11191,7 @@
           <a:p>
             <a:r>
               <a:rPr lang="en-US" sz="1200" dirty="0"/>
-              <a:t>21</a:t>
+              <a:t>null</a:t>
             </a:r>
           </a:p>
         </p:txBody>
@@ -11226,7 +11226,7 @@
           <a:p>
             <a:r>
               <a:rPr lang="en-US" sz="1200" dirty="0"/>
-              <a:t>null</a:t>
+              <a:t>51</a:t>
             </a:r>
           </a:p>
         </p:txBody>
@@ -11261,7 +11261,7 @@
           <a:p>
             <a:r>
               <a:rPr lang="en-US" sz="1200" dirty="0"/>
-              <a:t>6</a:t>
+              <a:t>null</a:t>
             </a:r>
           </a:p>
         </p:txBody>
@@ -11296,7 +11296,7 @@
           <a:p>
             <a:r>
               <a:rPr lang="en-US" sz="1200" dirty="0"/>
-              <a:t>45</a:t>
+              <a:t>null</a:t>
             </a:r>
           </a:p>
         </p:txBody>
@@ -11315,8 +11315,8 @@
         </p:nvSpPr>
         <p:spPr>
           <a:xfrm>
-            <a:off x="2343150" y="1489061"/>
-            <a:ext cx="1333500" cy="369332"/>
+            <a:off x="4838700" y="1263438"/>
+            <a:ext cx="2455970" cy="646331"/>
           </a:xfrm>
           <a:prstGeom prst="rect">
             <a:avLst/>
@@ -11331,7 +11331,83 @@
           <a:p>
             <a:r>
               <a:rPr lang="en-US" dirty="0"/>
-              <a:t>In-Order </a:t>
+              <a:t>2i+1 / 2i+2 rule </a:t>
+            </a:r>
+          </a:p>
+          <a:p>
+            <a:r>
+              <a:rPr lang="en-US" dirty="0"/>
+              <a:t>Aka Level Traversal</a:t>
+            </a:r>
+          </a:p>
+        </p:txBody>
+      </p:sp>
+      <p:sp>
+        <p:nvSpPr>
+          <p:cNvPr id="56" name="TextBox 55">
+            <a:extLst>
+              <a:ext uri="{FF2B5EF4-FFF2-40B4-BE49-F238E27FC236}">
+                <a16:creationId xmlns:a16="http://schemas.microsoft.com/office/drawing/2014/main" id="{2E7827DB-7A39-4E15-8154-C5949A87ABE6}"/>
+              </a:ext>
+            </a:extLst>
+          </p:cNvPr>
+          <p:cNvSpPr txBox="1"/>
+          <p:nvPr/>
+        </p:nvSpPr>
+        <p:spPr>
+          <a:xfrm>
+            <a:off x="1523444" y="5209400"/>
+            <a:ext cx="527044" cy="276999"/>
+          </a:xfrm>
+          <a:prstGeom prst="rect">
+            <a:avLst/>
+          </a:prstGeom>
+          <a:noFill/>
+        </p:spPr>
+        <p:txBody>
+          <a:bodyPr wrap="square" rtlCol="0">
+            <a:spAutoFit/>
+          </a:bodyPr>
+          <a:lstStyle/>
+          <a:p>
+            <a:r>
+              <a:rPr lang="en-US" sz="1200" dirty="0"/>
+              <a:t>null</a:t>
+            </a:r>
+          </a:p>
+        </p:txBody>
+      </p:sp>
+      <p:sp>
+        <p:nvSpPr>
+          <p:cNvPr id="57" name="TextBox 56">
+            <a:extLst>
+              <a:ext uri="{FF2B5EF4-FFF2-40B4-BE49-F238E27FC236}">
+                <a16:creationId xmlns:a16="http://schemas.microsoft.com/office/drawing/2014/main" id="{2F3D7E18-B8DA-4D63-8048-45B3F8D7D076}"/>
+              </a:ext>
+            </a:extLst>
+          </p:cNvPr>
+          <p:cNvSpPr txBox="1"/>
+          <p:nvPr/>
+        </p:nvSpPr>
+        <p:spPr>
+          <a:xfrm>
+            <a:off x="1545106" y="5497169"/>
+            <a:ext cx="527044" cy="276999"/>
+          </a:xfrm>
+          <a:prstGeom prst="rect">
+            <a:avLst/>
+          </a:prstGeom>
+          <a:noFill/>
+        </p:spPr>
+        <p:txBody>
+          <a:bodyPr wrap="square" rtlCol="0">
+            <a:spAutoFit/>
+          </a:bodyPr>
+          <a:lstStyle/>
+          <a:p>
+            <a:r>
+              <a:rPr lang="en-US" sz="1200" dirty="0"/>
+              <a:t>45</a:t>
             </a:r>
           </a:p>
         </p:txBody>
@@ -12885,7 +12961,7 @@
         </p:nvSpPr>
         <p:spPr>
           <a:xfrm>
-            <a:off x="4838269" y="1948219"/>
+            <a:off x="5503882" y="1721691"/>
             <a:ext cx="582211" cy="525462"/>
           </a:xfrm>
           <a:prstGeom prst="ellipse">
@@ -12934,7 +13010,7 @@
         </p:nvSpPr>
         <p:spPr>
           <a:xfrm>
-            <a:off x="3254272" y="2590800"/>
+            <a:off x="4217654" y="2540226"/>
             <a:ext cx="582211" cy="525462"/>
           </a:xfrm>
           <a:prstGeom prst="ellipse">
@@ -12983,7 +13059,7 @@
         </p:nvSpPr>
         <p:spPr>
           <a:xfrm>
-            <a:off x="6553200" y="2603377"/>
+            <a:off x="6858000" y="2540226"/>
             <a:ext cx="582211" cy="525462"/>
           </a:xfrm>
           <a:prstGeom prst="ellipse">
@@ -13032,7 +13108,7 @@
         </p:nvSpPr>
         <p:spPr>
           <a:xfrm>
-            <a:off x="5705094" y="3400887"/>
+            <a:off x="3222835" y="3354702"/>
             <a:ext cx="582211" cy="525462"/>
           </a:xfrm>
           <a:prstGeom prst="ellipse">
@@ -13081,7 +13157,7 @@
         </p:nvSpPr>
         <p:spPr>
           <a:xfrm>
-            <a:off x="6535157" y="4299039"/>
+            <a:off x="4859864" y="3350792"/>
             <a:ext cx="582211" cy="525462"/>
           </a:xfrm>
           <a:prstGeom prst="ellipse">
@@ -13130,7 +13206,7 @@
         </p:nvSpPr>
         <p:spPr>
           <a:xfrm>
-            <a:off x="7418900" y="5105400"/>
+            <a:off x="6275789" y="3350792"/>
             <a:ext cx="582211" cy="525462"/>
           </a:xfrm>
           <a:prstGeom prst="ellipse">
@@ -13179,7 +13255,7 @@
         </p:nvSpPr>
         <p:spPr>
           <a:xfrm>
-            <a:off x="2767542" y="3374026"/>
+            <a:off x="2464169" y="4089313"/>
             <a:ext cx="582211" cy="525462"/>
           </a:xfrm>
           <a:prstGeom prst="ellipse">
@@ -13228,7 +13304,7 @@
         </p:nvSpPr>
         <p:spPr>
           <a:xfrm>
-            <a:off x="3747494" y="3400887"/>
+            <a:off x="3713108" y="4089313"/>
             <a:ext cx="582211" cy="525462"/>
           </a:xfrm>
           <a:prstGeom prst="ellipse">
@@ -13277,7 +13353,7 @@
         </p:nvSpPr>
         <p:spPr>
           <a:xfrm>
-            <a:off x="2260473" y="4081915"/>
+            <a:off x="5333491" y="4089313"/>
             <a:ext cx="582211" cy="525462"/>
           </a:xfrm>
           <a:prstGeom prst="ellipse">
@@ -13326,7 +13402,7 @@
         </p:nvSpPr>
         <p:spPr>
           <a:xfrm>
-            <a:off x="5705093" y="5105400"/>
+            <a:off x="7149105" y="4089313"/>
             <a:ext cx="582211" cy="525462"/>
           </a:xfrm>
           <a:prstGeom prst="ellipse">
@@ -13361,25 +13437,66 @@
           </a:p>
         </p:txBody>
       </p:sp>
+      <p:sp>
+        <p:nvSpPr>
+          <p:cNvPr id="4" name="TextBox 3">
+            <a:extLst>
+              <a:ext uri="{FF2B5EF4-FFF2-40B4-BE49-F238E27FC236}">
+                <a16:creationId xmlns:a16="http://schemas.microsoft.com/office/drawing/2014/main" id="{ADDB8304-2873-48BB-9ECF-98A46841C8B1}"/>
+              </a:ext>
+            </a:extLst>
+          </p:cNvPr>
+          <p:cNvSpPr txBox="1"/>
+          <p:nvPr/>
+        </p:nvSpPr>
+        <p:spPr>
+          <a:xfrm>
+            <a:off x="4804896" y="841056"/>
+            <a:ext cx="2640517" cy="646331"/>
+          </a:xfrm>
+          <a:prstGeom prst="rect">
+            <a:avLst/>
+          </a:prstGeom>
+          <a:noFill/>
+        </p:spPr>
+        <p:txBody>
+          <a:bodyPr wrap="square" rtlCol="0">
+            <a:spAutoFit/>
+          </a:bodyPr>
+          <a:lstStyle/>
+          <a:p>
+            <a:r>
+              <a:rPr lang="en-US" dirty="0"/>
+              <a:t>2i + 1 / 2i + 2 rule</a:t>
+            </a:r>
+          </a:p>
+          <a:p>
+            <a:r>
+              <a:rPr lang="en-US" dirty="0"/>
+              <a:t>Aka Level Traversal</a:t>
+            </a:r>
+          </a:p>
+        </p:txBody>
+      </p:sp>
       <p:cxnSp>
         <p:nvCxnSpPr>
-          <p:cNvPr id="5" name="Straight Connector 4">
+          <p:cNvPr id="8" name="Straight Connector 7">
             <a:extLst>
               <a:ext uri="{FF2B5EF4-FFF2-40B4-BE49-F238E27FC236}">
-                <a16:creationId xmlns:a16="http://schemas.microsoft.com/office/drawing/2014/main" id="{9588974E-E4AC-4A4C-AEFF-9279BC7DC1A2}"/>
+                <a16:creationId xmlns:a16="http://schemas.microsoft.com/office/drawing/2014/main" id="{17B87B4A-4242-49ED-83A6-C377A18C127E}"/>
               </a:ext>
             </a:extLst>
           </p:cNvPr>
           <p:cNvCxnSpPr>
-            <a:stCxn id="3" idx="3"/>
+            <a:stCxn id="3" idx="2"/>
             <a:endCxn id="22" idx="7"/>
           </p:cNvCxnSpPr>
           <p:nvPr/>
         </p:nvCxnSpPr>
         <p:spPr>
           <a:xfrm flipH="1">
-            <a:off x="3751220" y="2396729"/>
-            <a:ext cx="1172312" cy="271023"/>
+            <a:off x="4714602" y="1984422"/>
+            <a:ext cx="789280" cy="632756"/>
           </a:xfrm>
           <a:prstGeom prst="line">
             <a:avLst/>
@@ -13402,23 +13519,23 @@
       </p:cxnSp>
       <p:cxnSp>
         <p:nvCxnSpPr>
-          <p:cNvPr id="7" name="Straight Connector 6">
+          <p:cNvPr id="12" name="Straight Connector 11">
             <a:extLst>
               <a:ext uri="{FF2B5EF4-FFF2-40B4-BE49-F238E27FC236}">
-                <a16:creationId xmlns:a16="http://schemas.microsoft.com/office/drawing/2014/main" id="{AEBAC545-3FC2-41E3-8B5D-1B4CB03CB779}"/>
+                <a16:creationId xmlns:a16="http://schemas.microsoft.com/office/drawing/2014/main" id="{4EDEDC54-EA21-4E41-A3F4-413775383340}"/>
               </a:ext>
             </a:extLst>
           </p:cNvPr>
           <p:cNvCxnSpPr>
-            <a:stCxn id="22" idx="3"/>
-            <a:endCxn id="28" idx="0"/>
+            <a:stCxn id="22" idx="2"/>
+            <a:endCxn id="24" idx="0"/>
           </p:cNvCxnSpPr>
           <p:nvPr/>
         </p:nvCxnSpPr>
         <p:spPr>
           <a:xfrm flipH="1">
-            <a:off x="3058648" y="3039310"/>
-            <a:ext cx="280887" cy="334716"/>
+            <a:off x="3513941" y="2802957"/>
+            <a:ext cx="703713" cy="551745"/>
           </a:xfrm>
           <a:prstGeom prst="line">
             <a:avLst/>
@@ -13441,23 +13558,24 @@
       </p:cxnSp>
       <p:cxnSp>
         <p:nvCxnSpPr>
-          <p:cNvPr id="9" name="Straight Connector 8">
+          <p:cNvPr id="16" name="Straight Connector 15">
             <a:extLst>
               <a:ext uri="{FF2B5EF4-FFF2-40B4-BE49-F238E27FC236}">
-                <a16:creationId xmlns:a16="http://schemas.microsoft.com/office/drawing/2014/main" id="{8F1DDA5D-D33E-47A0-B542-45D9210393D9}"/>
+                <a16:creationId xmlns:a16="http://schemas.microsoft.com/office/drawing/2014/main" id="{0E789DCB-A56F-4EEC-BED1-1E312DEAF680}"/>
               </a:ext>
             </a:extLst>
           </p:cNvPr>
           <p:cNvCxnSpPr>
-            <a:stCxn id="28" idx="3"/>
-            <a:endCxn id="31" idx="0"/>
+            <a:cxnSpLocks/>
+            <a:stCxn id="22" idx="6"/>
+            <a:endCxn id="25" idx="0"/>
           </p:cNvCxnSpPr>
           <p:nvPr/>
         </p:nvCxnSpPr>
         <p:spPr>
-          <a:xfrm flipH="1">
-            <a:off x="2551579" y="3822536"/>
-            <a:ext cx="301226" cy="259379"/>
+          <a:xfrm>
+            <a:off x="4799865" y="2802957"/>
+            <a:ext cx="351105" cy="547835"/>
           </a:xfrm>
           <a:prstGeom prst="line">
             <a:avLst/>
@@ -13480,23 +13598,22 @@
       </p:cxnSp>
       <p:cxnSp>
         <p:nvCxnSpPr>
-          <p:cNvPr id="11" name="Straight Connector 10">
+          <p:cNvPr id="27" name="Straight Connector 26">
             <a:extLst>
               <a:ext uri="{FF2B5EF4-FFF2-40B4-BE49-F238E27FC236}">
-                <a16:creationId xmlns:a16="http://schemas.microsoft.com/office/drawing/2014/main" id="{63E760F6-58B3-4A38-9D25-C31A405DBBA2}"/>
+                <a16:creationId xmlns:a16="http://schemas.microsoft.com/office/drawing/2014/main" id="{9C10B3C2-807F-49BE-B426-7FE7E37966B8}"/>
               </a:ext>
             </a:extLst>
           </p:cNvPr>
           <p:cNvCxnSpPr>
-            <a:stCxn id="22" idx="5"/>
-            <a:endCxn id="29" idx="0"/>
+            <a:stCxn id="3" idx="6"/>
           </p:cNvCxnSpPr>
           <p:nvPr/>
         </p:nvCxnSpPr>
         <p:spPr>
           <a:xfrm>
-            <a:off x="3751220" y="3039310"/>
-            <a:ext cx="287380" cy="361577"/>
+            <a:off x="6086093" y="1984422"/>
+            <a:ext cx="914400" cy="914400"/>
           </a:xfrm>
           <a:prstGeom prst="line">
             <a:avLst/>
@@ -13519,23 +13636,23 @@
       </p:cxnSp>
       <p:cxnSp>
         <p:nvCxnSpPr>
-          <p:cNvPr id="13" name="Straight Connector 12">
+          <p:cNvPr id="5152" name="Straight Connector 5151">
             <a:extLst>
               <a:ext uri="{FF2B5EF4-FFF2-40B4-BE49-F238E27FC236}">
-                <a16:creationId xmlns:a16="http://schemas.microsoft.com/office/drawing/2014/main" id="{44B684F7-3D76-44C6-930D-7ECB6C7DB435}"/>
+                <a16:creationId xmlns:a16="http://schemas.microsoft.com/office/drawing/2014/main" id="{DAD3D0D7-7E25-4E34-B6B3-4CBB7CF29F11}"/>
               </a:ext>
             </a:extLst>
           </p:cNvPr>
           <p:cNvCxnSpPr>
-            <a:stCxn id="3" idx="5"/>
-            <a:endCxn id="23" idx="1"/>
+            <a:stCxn id="23" idx="3"/>
+            <a:endCxn id="26" idx="0"/>
           </p:cNvCxnSpPr>
           <p:nvPr/>
         </p:nvCxnSpPr>
         <p:spPr>
-          <a:xfrm>
-            <a:off x="5335217" y="2396729"/>
-            <a:ext cx="1303246" cy="283600"/>
+          <a:xfrm flipH="1">
+            <a:off x="6566895" y="2988736"/>
+            <a:ext cx="376368" cy="362056"/>
           </a:xfrm>
           <a:prstGeom prst="line">
             <a:avLst/>
@@ -13558,23 +13675,24 @@
       </p:cxnSp>
       <p:cxnSp>
         <p:nvCxnSpPr>
-          <p:cNvPr id="15" name="Straight Connector 14">
+          <p:cNvPr id="5157" name="Straight Connector 5156">
             <a:extLst>
               <a:ext uri="{FF2B5EF4-FFF2-40B4-BE49-F238E27FC236}">
-                <a16:creationId xmlns:a16="http://schemas.microsoft.com/office/drawing/2014/main" id="{771FF46F-2751-4800-A5B4-DEAFC326150B}"/>
+                <a16:creationId xmlns:a16="http://schemas.microsoft.com/office/drawing/2014/main" id="{935BE233-4E24-4530-A5D4-306127577404}"/>
               </a:ext>
             </a:extLst>
           </p:cNvPr>
           <p:cNvCxnSpPr>
-            <a:stCxn id="23" idx="3"/>
-            <a:endCxn id="24" idx="7"/>
+            <a:cxnSpLocks/>
+            <a:stCxn id="24" idx="2"/>
+            <a:endCxn id="28" idx="0"/>
           </p:cNvCxnSpPr>
           <p:nvPr/>
         </p:nvCxnSpPr>
         <p:spPr>
           <a:xfrm flipH="1">
-            <a:off x="6202042" y="3051887"/>
-            <a:ext cx="436421" cy="425952"/>
+            <a:off x="2755275" y="3617433"/>
+            <a:ext cx="467560" cy="471880"/>
           </a:xfrm>
           <a:prstGeom prst="line">
             <a:avLst/>
@@ -13597,23 +13715,24 @@
       </p:cxnSp>
       <p:cxnSp>
         <p:nvCxnSpPr>
-          <p:cNvPr id="17" name="Straight Connector 16">
+          <p:cNvPr id="5159" name="Straight Connector 5158">
             <a:extLst>
               <a:ext uri="{FF2B5EF4-FFF2-40B4-BE49-F238E27FC236}">
-                <a16:creationId xmlns:a16="http://schemas.microsoft.com/office/drawing/2014/main" id="{3E968CA6-0F94-4F35-820D-4CF64CEFBDEA}"/>
+                <a16:creationId xmlns:a16="http://schemas.microsoft.com/office/drawing/2014/main" id="{7DCC34B0-7255-47CE-A8CE-8EA029464821}"/>
               </a:ext>
             </a:extLst>
           </p:cNvPr>
           <p:cNvCxnSpPr>
-            <a:stCxn id="24" idx="5"/>
-            <a:endCxn id="25" idx="1"/>
+            <a:cxnSpLocks/>
+            <a:stCxn id="24" idx="6"/>
+            <a:endCxn id="29" idx="0"/>
           </p:cNvCxnSpPr>
           <p:nvPr/>
         </p:nvCxnSpPr>
         <p:spPr>
           <a:xfrm>
-            <a:off x="6202042" y="3849397"/>
-            <a:ext cx="418378" cy="526594"/>
+            <a:off x="3805046" y="3617433"/>
+            <a:ext cx="199168" cy="471880"/>
           </a:xfrm>
           <a:prstGeom prst="line">
             <a:avLst/>
@@ -13636,23 +13755,24 @@
       </p:cxnSp>
       <p:cxnSp>
         <p:nvCxnSpPr>
-          <p:cNvPr id="19" name="Straight Connector 18">
+          <p:cNvPr id="5176" name="Straight Connector 5175">
             <a:extLst>
               <a:ext uri="{FF2B5EF4-FFF2-40B4-BE49-F238E27FC236}">
-                <a16:creationId xmlns:a16="http://schemas.microsoft.com/office/drawing/2014/main" id="{578A104D-9F3F-4E16-B68A-BC94E2B352C6}"/>
+                <a16:creationId xmlns:a16="http://schemas.microsoft.com/office/drawing/2014/main" id="{F874D3C3-DD91-499B-A91F-3275ADFDDF03}"/>
               </a:ext>
             </a:extLst>
           </p:cNvPr>
           <p:cNvCxnSpPr>
-            <a:stCxn id="25" idx="3"/>
-            <a:endCxn id="34" idx="7"/>
+            <a:cxnSpLocks/>
+            <a:stCxn id="25" idx="5"/>
+            <a:endCxn id="31" idx="0"/>
           </p:cNvCxnSpPr>
           <p:nvPr/>
         </p:nvCxnSpPr>
         <p:spPr>
-          <a:xfrm flipH="1">
-            <a:off x="6202041" y="4747549"/>
-            <a:ext cx="418379" cy="434803"/>
+          <a:xfrm>
+            <a:off x="5356812" y="3799302"/>
+            <a:ext cx="267785" cy="290011"/>
           </a:xfrm>
           <a:prstGeom prst="line">
             <a:avLst/>
@@ -13675,22 +13795,23 @@
       </p:cxnSp>
       <p:cxnSp>
         <p:nvCxnSpPr>
-          <p:cNvPr id="21" name="Straight Connector 20">
+          <p:cNvPr id="5180" name="Straight Connector 5179">
             <a:extLst>
               <a:ext uri="{FF2B5EF4-FFF2-40B4-BE49-F238E27FC236}">
-                <a16:creationId xmlns:a16="http://schemas.microsoft.com/office/drawing/2014/main" id="{D5C12A22-598B-49B8-905F-B74807EE73E6}"/>
+                <a16:creationId xmlns:a16="http://schemas.microsoft.com/office/drawing/2014/main" id="{3FD0C6D2-AF76-4578-86F0-084AC65DF28C}"/>
               </a:ext>
             </a:extLst>
           </p:cNvPr>
           <p:cNvCxnSpPr>
-            <a:stCxn id="25" idx="5"/>
+            <a:stCxn id="26" idx="5"/>
+            <a:endCxn id="34" idx="1"/>
           </p:cNvCxnSpPr>
           <p:nvPr/>
         </p:nvCxnSpPr>
         <p:spPr>
           <a:xfrm>
-            <a:off x="7032105" y="4747549"/>
-            <a:ext cx="587895" cy="526594"/>
+            <a:off x="6772737" y="3799302"/>
+            <a:ext cx="461631" cy="366963"/>
           </a:xfrm>
           <a:prstGeom prst="line">
             <a:avLst/>
@@ -13711,41 +13832,6 @@
           </a:fontRef>
         </p:style>
       </p:cxnSp>
-      <p:sp>
-        <p:nvSpPr>
-          <p:cNvPr id="4" name="TextBox 3">
-            <a:extLst>
-              <a:ext uri="{FF2B5EF4-FFF2-40B4-BE49-F238E27FC236}">
-                <a16:creationId xmlns:a16="http://schemas.microsoft.com/office/drawing/2014/main" id="{ADDB8304-2873-48BB-9ECF-98A46841C8B1}"/>
-              </a:ext>
-            </a:extLst>
-          </p:cNvPr>
-          <p:cNvSpPr txBox="1"/>
-          <p:nvPr/>
-        </p:nvSpPr>
-        <p:spPr>
-          <a:xfrm>
-            <a:off x="3770713" y="1154669"/>
-            <a:ext cx="2640517" cy="369332"/>
-          </a:xfrm>
-          <a:prstGeom prst="rect">
-            <a:avLst/>
-          </a:prstGeom>
-          <a:noFill/>
-        </p:spPr>
-        <p:txBody>
-          <a:bodyPr wrap="square" rtlCol="0">
-            <a:spAutoFit/>
-          </a:bodyPr>
-          <a:lstStyle/>
-          <a:p>
-            <a:r>
-              <a:rPr lang="en-US" dirty="0"/>
-              <a:t>Binary Search Tree</a:t>
-            </a:r>
-          </a:p>
-        </p:txBody>
-      </p:sp>
     </p:spTree>
   </p:cSld>
   <p:clrMapOvr>
